--- a/workshops/3.Exceptions.pptx
+++ b/workshops/3.Exceptions.pptx
@@ -18,7 +18,8 @@
     <p:sldId id="267" r:id="rId12"/>
     <p:sldId id="268" r:id="rId13"/>
     <p:sldId id="269" r:id="rId14"/>
-    <p:sldId id="270" r:id="rId15"/>
+    <p:sldId id="271" r:id="rId15"/>
+    <p:sldId id="270" r:id="rId16"/>
   </p:sldIdLst>
   <p:sldSz cx="9144000" cy="6858000" type="screen4x3"/>
   <p:notesSz cx="6858000" cy="9144000"/>
@@ -746,7 +747,7 @@
             <a:fld id="{1D8BD707-D9CF-40AE-B4C6-C98DA3205C09}" type="datetimeFigureOut">
               <a:rPr lang="en-US" smtClean="0"/>
               <a:pPr/>
-              <a:t>10/24/2014</a:t>
+              <a:t>10/26/2014</a:t>
             </a:fld>
             <a:endParaRPr lang="en-US"/>
           </a:p>
@@ -945,7 +946,7 @@
             <a:fld id="{1D8BD707-D9CF-40AE-B4C6-C98DA3205C09}" type="datetimeFigureOut">
               <a:rPr lang="en-US" smtClean="0"/>
               <a:pPr/>
-              <a:t>10/24/2014</a:t>
+              <a:t>10/26/2014</a:t>
             </a:fld>
             <a:endParaRPr lang="en-US"/>
           </a:p>
@@ -1133,7 +1134,7 @@
             <a:fld id="{1D8BD707-D9CF-40AE-B4C6-C98DA3205C09}" type="datetimeFigureOut">
               <a:rPr lang="en-US" smtClean="0"/>
               <a:pPr/>
-              <a:t>10/24/2014</a:t>
+              <a:t>10/26/2014</a:t>
             </a:fld>
             <a:endParaRPr lang="en-US"/>
           </a:p>
@@ -1286,7 +1287,7 @@
             <a:fld id="{1D8BD707-D9CF-40AE-B4C6-C98DA3205C09}" type="datetimeFigureOut">
               <a:rPr lang="en-US" smtClean="0"/>
               <a:pPr/>
-              <a:t>10/24/2014</a:t>
+              <a:t>10/26/2014</a:t>
             </a:fld>
             <a:endParaRPr lang="en-US"/>
           </a:p>
@@ -1544,7 +1545,7 @@
             <a:fld id="{1D8BD707-D9CF-40AE-B4C6-C98DA3205C09}" type="datetimeFigureOut">
               <a:rPr lang="en-US" smtClean="0"/>
               <a:pPr/>
-              <a:t>10/24/2014</a:t>
+              <a:t>10/26/2014</a:t>
             </a:fld>
             <a:endParaRPr lang="en-US"/>
           </a:p>
@@ -1956,7 +1957,7 @@
             <a:fld id="{1D8BD707-D9CF-40AE-B4C6-C98DA3205C09}" type="datetimeFigureOut">
               <a:rPr lang="en-US" smtClean="0"/>
               <a:pPr/>
-              <a:t>10/24/2014</a:t>
+              <a:t>10/26/2014</a:t>
             </a:fld>
             <a:endParaRPr lang="en-US"/>
           </a:p>
@@ -2405,7 +2406,7 @@
             <a:fld id="{1D8BD707-D9CF-40AE-B4C6-C98DA3205C09}" type="datetimeFigureOut">
               <a:rPr lang="en-US" smtClean="0"/>
               <a:pPr/>
-              <a:t>10/24/2014</a:t>
+              <a:t>10/26/2014</a:t>
             </a:fld>
             <a:endParaRPr lang="en-US"/>
           </a:p>
@@ -2509,7 +2510,7 @@
             <a:fld id="{1D8BD707-D9CF-40AE-B4C6-C98DA3205C09}" type="datetimeFigureOut">
               <a:rPr lang="en-US" smtClean="0"/>
               <a:pPr/>
-              <a:t>10/24/2014</a:t>
+              <a:t>10/26/2014</a:t>
             </a:fld>
             <a:endParaRPr lang="en-US"/>
           </a:p>
@@ -2633,7 +2634,7 @@
             <a:fld id="{1D8BD707-D9CF-40AE-B4C6-C98DA3205C09}" type="datetimeFigureOut">
               <a:rPr lang="en-US" smtClean="0"/>
               <a:pPr/>
-              <a:t>10/24/2014</a:t>
+              <a:t>10/26/2014</a:t>
             </a:fld>
             <a:endParaRPr lang="en-US"/>
           </a:p>
@@ -2910,7 +2911,7 @@
             <a:fld id="{1D8BD707-D9CF-40AE-B4C6-C98DA3205C09}" type="datetimeFigureOut">
               <a:rPr lang="en-US" smtClean="0"/>
               <a:pPr/>
-              <a:t>10/24/2014</a:t>
+              <a:t>10/26/2014</a:t>
             </a:fld>
             <a:endParaRPr lang="en-US"/>
           </a:p>
@@ -3118,7 +3119,7 @@
             <a:fld id="{1D8BD707-D9CF-40AE-B4C6-C98DA3205C09}" type="datetimeFigureOut">
               <a:rPr lang="en-US" smtClean="0"/>
               <a:pPr/>
-              <a:t>10/24/2014</a:t>
+              <a:t>10/26/2014</a:t>
             </a:fld>
             <a:endParaRPr lang="en-US"/>
           </a:p>
@@ -4230,7 +4231,7 @@
             <a:fld id="{1D8BD707-D9CF-40AE-B4C6-C98DA3205C09}" type="datetimeFigureOut">
               <a:rPr lang="en-US" smtClean="0"/>
               <a:pPr/>
-              <a:t>10/24/2014</a:t>
+              <a:t>10/26/2014</a:t>
             </a:fld>
             <a:endParaRPr lang="en-US"/>
           </a:p>
@@ -4664,11 +4665,7 @@
             <a:pPr algn="ctr"/>
             <a:r>
               <a:rPr lang="ro-RO" dirty="0" smtClean="0"/>
-              <a:t>Handling </a:t>
-            </a:r>
-            <a:r>
-              <a:rPr lang="ro-RO" dirty="0" smtClean="0"/>
-              <a:t>Exceptions</a:t>
+              <a:t>Handling Exceptions</a:t>
             </a:r>
             <a:r>
               <a:rPr lang="en-US" dirty="0" smtClean="0"/>
@@ -4763,7 +4760,6 @@
               <a:rPr lang="en-US" sz="2400" dirty="0" smtClean="0"/>
               <a:t> = </a:t>
             </a:r>
-            <a:endParaRPr lang="en-US" sz="2400" dirty="0" smtClean="0"/>
           </a:p>
           <a:p>
             <a:pPr>
@@ -4771,11 +4767,7 @@
             </a:pPr>
             <a:r>
               <a:rPr lang="en-US" sz="2400" dirty="0" smtClean="0"/>
-              <a:t>	</a:t>
-            </a:r>
-            <a:r>
-              <a:rPr lang="en-US" sz="2400" dirty="0" smtClean="0"/>
-              <a:t>	new </a:t>
+              <a:t>		new </a:t>
             </a:r>
             <a:r>
               <a:rPr lang="en-US" sz="2400" dirty="0" err="1" smtClean="0"/>
@@ -4791,16 +4783,39 @@
             </a:r>
             <a:r>
               <a:rPr lang="en-US" sz="2400" dirty="0" smtClean="0"/>
-              <a:t>(path</a:t>
-            </a:r>
+              <a:t>(path))) { </a:t>
+            </a:r>
+          </a:p>
+          <a:p>
+            <a:pPr>
+              <a:buNone/>
+            </a:pPr>
             <a:r>
               <a:rPr lang="en-US" sz="2400" dirty="0" smtClean="0"/>
-              <a:t>))) </a:t>
+              <a:t>		return </a:t>
+            </a:r>
+            <a:r>
+              <a:rPr lang="en-US" sz="2400" dirty="0" err="1" smtClean="0"/>
+              <a:t>br.readLine</a:t>
             </a:r>
             <a:r>
               <a:rPr lang="en-US" sz="2400" dirty="0" smtClean="0"/>
-              <a:t>{ </a:t>
-            </a:r>
+              <a:t>(); </a:t>
+            </a:r>
+          </a:p>
+          <a:p>
+            <a:pPr>
+              <a:buNone/>
+            </a:pPr>
+            <a:r>
+              <a:rPr lang="en-US" sz="2400" dirty="0" smtClean="0"/>
+              <a:t>}</a:t>
+            </a:r>
+          </a:p>
+          <a:p>
+            <a:pPr>
+              <a:buNone/>
+            </a:pPr>
             <a:endParaRPr lang="en-US" sz="2400" dirty="0" smtClean="0"/>
           </a:p>
           <a:p>
@@ -4808,9 +4823,69 @@
               <a:buNone/>
             </a:pPr>
             <a:r>
+              <a:rPr lang="en-US" sz="2800" b="1" dirty="0" smtClean="0"/>
+              <a:t>Before:</a:t>
+            </a:r>
+          </a:p>
+          <a:p>
+            <a:pPr>
+              <a:buNone/>
+            </a:pPr>
+            <a:r>
+              <a:rPr lang="en-US" sz="2400" dirty="0" err="1" smtClean="0"/>
+              <a:t>BufferedReader</a:t>
+            </a:r>
+            <a:r>
               <a:rPr lang="en-US" sz="2400" dirty="0" smtClean="0"/>
-              <a:t>	</a:t>
-            </a:r>
+              <a:t> </a:t>
+            </a:r>
+            <a:r>
+              <a:rPr lang="en-US" sz="2400" dirty="0" err="1" smtClean="0"/>
+              <a:t>br</a:t>
+            </a:r>
+            <a:r>
+              <a:rPr lang="en-US" sz="2400" dirty="0" smtClean="0"/>
+              <a:t> = </a:t>
+            </a:r>
+          </a:p>
+          <a:p>
+            <a:pPr>
+              <a:buNone/>
+            </a:pPr>
+            <a:r>
+              <a:rPr lang="en-US" sz="2400" dirty="0" smtClean="0"/>
+              <a:t>new </a:t>
+            </a:r>
+            <a:r>
+              <a:rPr lang="en-US" sz="2400" dirty="0" err="1" smtClean="0"/>
+              <a:t>BufferedReader</a:t>
+            </a:r>
+            <a:r>
+              <a:rPr lang="en-US" sz="2400" dirty="0" smtClean="0"/>
+              <a:t>(new </a:t>
+            </a:r>
+            <a:r>
+              <a:rPr lang="en-US" sz="2400" dirty="0" err="1" smtClean="0"/>
+              <a:t>FileReader</a:t>
+            </a:r>
+            <a:r>
+              <a:rPr lang="en-US" sz="2400" dirty="0" smtClean="0"/>
+              <a:t>(path)); </a:t>
+            </a:r>
+          </a:p>
+          <a:p>
+            <a:pPr>
+              <a:buNone/>
+            </a:pPr>
+            <a:r>
+              <a:rPr lang="en-US" sz="2400" dirty="0" smtClean="0"/>
+              <a:t>try { </a:t>
+            </a:r>
+          </a:p>
+          <a:p>
+            <a:pPr>
+              <a:buNone/>
+            </a:pPr>
             <a:r>
               <a:rPr lang="en-US" sz="2400" dirty="0" smtClean="0"/>
               <a:t>	return </a:t>
@@ -4830,36 +4905,16 @@
             </a:pPr>
             <a:r>
               <a:rPr lang="en-US" sz="2400" dirty="0" smtClean="0"/>
-              <a:t>}</a:t>
+              <a:t>} finally { </a:t>
             </a:r>
           </a:p>
           <a:p>
             <a:pPr>
               <a:buNone/>
             </a:pPr>
-            <a:endParaRPr lang="en-US" sz="2400" dirty="0" smtClean="0"/>
-          </a:p>
-          <a:p>
-            <a:pPr>
-              <a:buNone/>
-            </a:pPr>
-            <a:r>
-              <a:rPr lang="en-US" sz="2800" b="1" dirty="0" smtClean="0"/>
-              <a:t>Before:</a:t>
-            </a:r>
-            <a:endParaRPr lang="en-US" sz="2800" b="1" dirty="0" smtClean="0"/>
-          </a:p>
-          <a:p>
-            <a:pPr>
-              <a:buNone/>
-            </a:pPr>
-            <a:r>
-              <a:rPr lang="en-US" sz="2400" dirty="0" err="1" smtClean="0"/>
-              <a:t>BufferedReader</a:t>
-            </a:r>
             <a:r>
               <a:rPr lang="en-US" sz="2400" dirty="0" smtClean="0"/>
-              <a:t> </a:t>
+              <a:t>	if (</a:t>
             </a:r>
             <a:r>
               <a:rPr lang="en-US" sz="2400" dirty="0" err="1" smtClean="0"/>
@@ -4867,115 +4922,16 @@
             </a:r>
             <a:r>
               <a:rPr lang="en-US" sz="2400" dirty="0" smtClean="0"/>
-              <a:t> = </a:t>
-            </a:r>
-            <a:endParaRPr lang="en-US" sz="2400" dirty="0" smtClean="0"/>
-          </a:p>
-          <a:p>
-            <a:pPr>
-              <a:buNone/>
-            </a:pPr>
-            <a:r>
-              <a:rPr lang="en-US" sz="2400" dirty="0" smtClean="0"/>
-              <a:t>new </a:t>
+              <a:t> != null) </a:t>
             </a:r>
             <a:r>
               <a:rPr lang="en-US" sz="2400" dirty="0" err="1" smtClean="0"/>
-              <a:t>BufferedReader</a:t>
-            </a:r>
-            <a:r>
-              <a:rPr lang="en-US" sz="2400" dirty="0" smtClean="0"/>
-              <a:t>(new </a:t>
-            </a:r>
-            <a:r>
-              <a:rPr lang="en-US" sz="2400" dirty="0" err="1" smtClean="0"/>
-              <a:t>FileReader</a:t>
-            </a:r>
-            <a:r>
-              <a:rPr lang="en-US" sz="2400" dirty="0" smtClean="0"/>
-              <a:t>(path)); </a:t>
-            </a:r>
-            <a:endParaRPr lang="en-US" sz="2400" dirty="0" smtClean="0"/>
-          </a:p>
-          <a:p>
-            <a:pPr>
-              <a:buNone/>
-            </a:pPr>
-            <a:r>
-              <a:rPr lang="en-US" sz="2400" dirty="0" smtClean="0"/>
-              <a:t>try </a:t>
-            </a:r>
-            <a:r>
-              <a:rPr lang="en-US" sz="2400" dirty="0" smtClean="0"/>
-              <a:t>{ </a:t>
-            </a:r>
-            <a:endParaRPr lang="en-US" sz="2400" dirty="0" smtClean="0"/>
-          </a:p>
-          <a:p>
-            <a:pPr>
-              <a:buNone/>
-            </a:pPr>
-            <a:r>
-              <a:rPr lang="en-US" sz="2400" dirty="0" smtClean="0"/>
-              <a:t>	</a:t>
-            </a:r>
-            <a:r>
-              <a:rPr lang="en-US" sz="2400" dirty="0" smtClean="0"/>
-              <a:t>return </a:t>
-            </a:r>
-            <a:r>
-              <a:rPr lang="en-US" sz="2400" dirty="0" err="1" smtClean="0"/>
-              <a:t>br.readLine</a:t>
+              <a:t>br.close</a:t>
             </a:r>
             <a:r>
               <a:rPr lang="en-US" sz="2400" dirty="0" smtClean="0"/>
               <a:t>(); </a:t>
             </a:r>
-            <a:endParaRPr lang="en-US" sz="2400" dirty="0" smtClean="0"/>
-          </a:p>
-          <a:p>
-            <a:pPr>
-              <a:buNone/>
-            </a:pPr>
-            <a:r>
-              <a:rPr lang="en-US" sz="2400" dirty="0" smtClean="0"/>
-              <a:t>} </a:t>
-            </a:r>
-            <a:r>
-              <a:rPr lang="en-US" sz="2400" dirty="0" smtClean="0"/>
-              <a:t>finally { </a:t>
-            </a:r>
-            <a:endParaRPr lang="en-US" sz="2400" dirty="0" smtClean="0"/>
-          </a:p>
-          <a:p>
-            <a:pPr>
-              <a:buNone/>
-            </a:pPr>
-            <a:r>
-              <a:rPr lang="en-US" sz="2400" dirty="0" smtClean="0"/>
-              <a:t>	if </a:t>
-            </a:r>
-            <a:r>
-              <a:rPr lang="en-US" sz="2400" dirty="0" smtClean="0"/>
-              <a:t>(</a:t>
-            </a:r>
-            <a:r>
-              <a:rPr lang="en-US" sz="2400" dirty="0" err="1" smtClean="0"/>
-              <a:t>br</a:t>
-            </a:r>
-            <a:r>
-              <a:rPr lang="en-US" sz="2400" dirty="0" smtClean="0"/>
-              <a:t> != null) </a:t>
-            </a:r>
-            <a:r>
-              <a:rPr lang="en-US" sz="2400" dirty="0" err="1" smtClean="0"/>
-              <a:t>br.close</a:t>
-            </a:r>
-            <a:r>
-              <a:rPr lang="en-US" sz="2400" dirty="0" smtClean="0"/>
-              <a:t>(); </a:t>
-            </a:r>
-            <a:endParaRPr lang="en-US" sz="2400" dirty="0" smtClean="0"/>
           </a:p>
           <a:p>
             <a:pPr>
@@ -5007,11 +4963,7 @@
           <a:p>
             <a:r>
               <a:rPr lang="ro-RO" dirty="0" smtClean="0"/>
-              <a:t>The try-with-resources </a:t>
-            </a:r>
-            <a:r>
-              <a:rPr lang="ro-RO" dirty="0" smtClean="0"/>
-              <a:t>Statement</a:t>
+              <a:t>The try-with-resources Statement</a:t>
             </a:r>
             <a:endParaRPr lang="ro-RO" dirty="0"/>
           </a:p>
@@ -5092,7 +5044,6 @@
               <a:rPr lang="en-US" dirty="0" smtClean="0"/>
               <a:t>public Object pop() { </a:t>
             </a:r>
-            <a:endParaRPr lang="en-US" dirty="0" smtClean="0"/>
           </a:p>
           <a:p>
             <a:pPr lvl="1">
@@ -5110,7 +5061,6 @@
               <a:rPr lang="en-US" dirty="0" smtClean="0"/>
               <a:t>; </a:t>
             </a:r>
-            <a:endParaRPr lang="en-US" dirty="0" smtClean="0"/>
           </a:p>
           <a:p>
             <a:pPr lvl="1">
@@ -5124,13 +5074,8 @@
             </a:pPr>
             <a:r>
               <a:rPr lang="en-US" dirty="0" smtClean="0"/>
-              <a:t>if </a:t>
-            </a:r>
-            <a:r>
-              <a:rPr lang="en-US" dirty="0" smtClean="0"/>
-              <a:t>(size == 0) { </a:t>
-            </a:r>
-            <a:endParaRPr lang="en-US" dirty="0" smtClean="0"/>
+              <a:t>if (size == 0) { </a:t>
+            </a:r>
           </a:p>
           <a:p>
             <a:pPr lvl="1">
@@ -5138,11 +5083,7 @@
             </a:pPr>
             <a:r>
               <a:rPr lang="en-US" b="1" dirty="0" smtClean="0"/>
-              <a:t>	throw </a:t>
-            </a:r>
-            <a:r>
-              <a:rPr lang="en-US" b="1" dirty="0" smtClean="0"/>
-              <a:t>new </a:t>
+              <a:t>	throw new </a:t>
             </a:r>
             <a:r>
               <a:rPr lang="en-US" b="1" dirty="0" err="1" smtClean="0"/>
@@ -5156,7 +5097,6 @@
               <a:rPr lang="en-US" dirty="0" smtClean="0"/>
               <a:t> </a:t>
             </a:r>
-            <a:endParaRPr lang="en-US" dirty="0" smtClean="0"/>
           </a:p>
           <a:p>
             <a:pPr lvl="1">
@@ -5183,11 +5123,7 @@
             </a:r>
             <a:r>
               <a:rPr lang="en-US" dirty="0" smtClean="0"/>
-              <a:t> </a:t>
-            </a:r>
-            <a:r>
-              <a:rPr lang="en-US" dirty="0" smtClean="0"/>
-              <a:t>= </a:t>
+              <a:t> = </a:t>
             </a:r>
             <a:r>
               <a:rPr lang="en-US" dirty="0" err="1" smtClean="0"/>
@@ -5197,7 +5133,6 @@
               <a:rPr lang="en-US" dirty="0" smtClean="0"/>
               <a:t>(size - 1); </a:t>
             </a:r>
-            <a:endParaRPr lang="en-US" dirty="0" smtClean="0"/>
           </a:p>
           <a:p>
             <a:pPr lvl="1">
@@ -5209,27 +5144,17 @@
             </a:r>
             <a:r>
               <a:rPr lang="en-US" dirty="0" smtClean="0"/>
-              <a:t>(size </a:t>
-            </a:r>
+              <a:t>(size - 1, null); </a:t>
+            </a:r>
+          </a:p>
+          <a:p>
+            <a:pPr lvl="1">
+              <a:buNone/>
+            </a:pPr>
             <a:r>
               <a:rPr lang="en-US" dirty="0" smtClean="0"/>
-              <a:t>- 1, null); </a:t>
-            </a:r>
-            <a:endParaRPr lang="en-US" dirty="0" smtClean="0"/>
-          </a:p>
-          <a:p>
-            <a:pPr lvl="1">
-              <a:buNone/>
-            </a:pPr>
-            <a:r>
-              <a:rPr lang="en-US" dirty="0" smtClean="0"/>
-              <a:t>size-</a:t>
-            </a:r>
-            <a:r>
-              <a:rPr lang="en-US" dirty="0" smtClean="0"/>
-              <a:t>-; </a:t>
-            </a:r>
-            <a:endParaRPr lang="en-US" dirty="0" smtClean="0"/>
+              <a:t>size--; </a:t>
+            </a:r>
           </a:p>
           <a:p>
             <a:pPr lvl="1">
@@ -5247,7 +5172,6 @@
               <a:rPr lang="en-US" dirty="0" smtClean="0"/>
               <a:t>; </a:t>
             </a:r>
-            <a:endParaRPr lang="en-US" dirty="0" smtClean="0"/>
           </a:p>
           <a:p>
             <a:pPr>
@@ -5280,11 +5204,7 @@
           <a:p>
             <a:r>
               <a:rPr lang="ro-RO" dirty="0" smtClean="0"/>
-              <a:t>How to Throw </a:t>
-            </a:r>
-            <a:r>
-              <a:rPr lang="ro-RO" dirty="0" smtClean="0"/>
-              <a:t>Exceptions</a:t>
+              <a:t>How to Throw Exceptions</a:t>
             </a:r>
             <a:endParaRPr lang="ro-RO" dirty="0"/>
           </a:p>
@@ -5345,7 +5265,6 @@
               <a:rPr lang="en-US" dirty="0" smtClean="0"/>
               <a:t>try { </a:t>
             </a:r>
-            <a:endParaRPr lang="en-US" dirty="0" smtClean="0"/>
           </a:p>
           <a:p>
             <a:pPr>
@@ -5371,68 +5290,50 @@
             </a:pPr>
             <a:r>
               <a:rPr lang="en-US" dirty="0" smtClean="0"/>
-              <a:t>catch </a:t>
+              <a:t>catch (</a:t>
+            </a:r>
+            <a:r>
+              <a:rPr lang="en-US" dirty="0" err="1" smtClean="0"/>
+              <a:t>IOException</a:t>
+            </a:r>
+            <a:r>
+              <a:rPr lang="en-US" dirty="0" smtClean="0"/>
+              <a:t> e) { </a:t>
+            </a:r>
+          </a:p>
+          <a:p>
+            <a:pPr>
+              <a:buNone/>
+            </a:pPr>
+            <a:r>
+              <a:rPr lang="en-US" dirty="0" smtClean="0"/>
+              <a:t>	throw new </a:t>
+            </a:r>
+            <a:r>
+              <a:rPr lang="en-US" dirty="0" err="1" smtClean="0"/>
+              <a:t>MyException</a:t>
             </a:r>
             <a:r>
               <a:rPr lang="en-US" dirty="0" smtClean="0"/>
               <a:t>(</a:t>
             </a:r>
+          </a:p>
+          <a:p>
+            <a:pPr>
+              <a:buNone/>
+            </a:pPr>
+            <a:r>
+              <a:rPr lang="en-US" dirty="0" smtClean="0"/>
+              <a:t>					"Other </a:t>
+            </a:r>
             <a:r>
               <a:rPr lang="en-US" dirty="0" err="1" smtClean="0"/>
               <a:t>IOException</a:t>
             </a:r>
             <a:r>
               <a:rPr lang="en-US" dirty="0" smtClean="0"/>
-              <a:t> e) { </a:t>
-            </a:r>
-            <a:endParaRPr lang="en-US" dirty="0" smtClean="0"/>
-          </a:p>
-          <a:p>
-            <a:pPr>
-              <a:buNone/>
-            </a:pPr>
-            <a:r>
-              <a:rPr lang="en-US" dirty="0" smtClean="0"/>
-              <a:t>	</a:t>
-            </a:r>
-            <a:r>
-              <a:rPr lang="en-US" dirty="0" smtClean="0"/>
-              <a:t>throw </a:t>
-            </a:r>
-            <a:r>
-              <a:rPr lang="en-US" dirty="0" smtClean="0"/>
-              <a:t>new </a:t>
-            </a:r>
-            <a:r>
-              <a:rPr lang="en-US" dirty="0" err="1" smtClean="0"/>
-              <a:t>MyException</a:t>
-            </a:r>
-            <a:r>
-              <a:rPr lang="en-US" dirty="0" smtClean="0"/>
-              <a:t>(</a:t>
-            </a:r>
-          </a:p>
-          <a:p>
-            <a:pPr>
-              <a:buNone/>
-            </a:pPr>
-            <a:r>
-              <a:rPr lang="en-US" dirty="0" smtClean="0"/>
-              <a:t>	</a:t>
-            </a:r>
-            <a:r>
-              <a:rPr lang="en-US" dirty="0" smtClean="0"/>
-              <a:t>				"Other </a:t>
-            </a:r>
-            <a:r>
-              <a:rPr lang="en-US" dirty="0" err="1" smtClean="0"/>
-              <a:t>IOException</a:t>
-            </a:r>
-            <a:r>
-              <a:rPr lang="en-US" dirty="0" smtClean="0"/>
               <a:t>", e); </a:t>
             </a:r>
-            <a:endParaRPr lang="en-US" dirty="0" smtClean="0"/>
           </a:p>
           <a:p>
             <a:pPr>
@@ -5465,11 +5366,7 @@
           <a:p>
             <a:r>
               <a:rPr lang="ro-RO" dirty="0" smtClean="0"/>
-              <a:t>Chained </a:t>
-            </a:r>
-            <a:r>
-              <a:rPr lang="ro-RO" dirty="0" smtClean="0"/>
-              <a:t>Exceptions</a:t>
+              <a:t>Chained Exceptions</a:t>
             </a:r>
             <a:endParaRPr lang="ro-RO" dirty="0"/>
           </a:p>
@@ -5530,25 +5427,17 @@
             </a:pPr>
             <a:r>
               <a:rPr lang="ro-RO" sz="2400" dirty="0" smtClean="0"/>
-              <a:t>catch </a:t>
-            </a:r>
+              <a:t>catch (Exception cause) { </a:t>
+            </a:r>
+            <a:endParaRPr lang="en-US" sz="2400" dirty="0" smtClean="0"/>
+          </a:p>
+          <a:p>
+            <a:pPr>
+              <a:buNone/>
+            </a:pPr>
             <a:r>
               <a:rPr lang="ro-RO" sz="2400" dirty="0" smtClean="0"/>
-              <a:t>(Exception cause) { </a:t>
-            </a:r>
-            <a:endParaRPr lang="en-US" sz="2400" dirty="0" smtClean="0"/>
-          </a:p>
-          <a:p>
-            <a:pPr>
-              <a:buNone/>
-            </a:pPr>
-            <a:r>
-              <a:rPr lang="ro-RO" sz="2400" dirty="0" smtClean="0"/>
-              <a:t>StackTraceElement </a:t>
-            </a:r>
-            <a:r>
-              <a:rPr lang="ro-RO" sz="2400" dirty="0" smtClean="0"/>
-              <a:t>elements[] = </a:t>
+              <a:t>StackTraceElement elements[] = </a:t>
             </a:r>
             <a:r>
               <a:rPr lang="en-US" sz="2400" dirty="0" smtClean="0"/>
@@ -5556,11 +5445,7 @@
             </a:r>
             <a:r>
               <a:rPr lang="ro-RO" sz="2400" dirty="0" smtClean="0"/>
-              <a:t>cause.getStackTrace</a:t>
-            </a:r>
-            <a:r>
-              <a:rPr lang="ro-RO" sz="2400" dirty="0" smtClean="0"/>
-              <a:t>(); </a:t>
+              <a:t>cause.getStackTrace(); </a:t>
             </a:r>
             <a:endParaRPr lang="en-US" sz="2400" dirty="0" smtClean="0"/>
           </a:p>
@@ -5576,11 +5461,7 @@
             </a:pPr>
             <a:r>
               <a:rPr lang="ro-RO" sz="2400" dirty="0" smtClean="0"/>
-              <a:t>for </a:t>
-            </a:r>
-            <a:r>
-              <a:rPr lang="ro-RO" sz="2400" dirty="0" smtClean="0"/>
-              <a:t>(int i = 0, n = elements.length; i &lt; n; i++) { </a:t>
+              <a:t>for (int i = 0, n = elements.length; i &lt; n; i++) { </a:t>
             </a:r>
             <a:r>
               <a:rPr lang="en-US" sz="2400" dirty="0" smtClean="0"/>
@@ -5599,11 +5480,7 @@
             </a:pPr>
             <a:r>
               <a:rPr lang="en-US" sz="2400" dirty="0" smtClean="0"/>
-              <a:t>	</a:t>
-            </a:r>
-            <a:r>
-              <a:rPr lang="en-US" sz="2400" dirty="0" smtClean="0"/>
-              <a:t>	</a:t>
+              <a:t>		</a:t>
             </a:r>
             <a:r>
               <a:rPr lang="ro-RO" sz="2400" dirty="0" smtClean="0"/>
@@ -5681,11 +5558,7 @@
           <a:p>
             <a:r>
               <a:rPr lang="ro-RO" dirty="0" smtClean="0"/>
-              <a:t>Accessing Stack Trace </a:t>
-            </a:r>
-            <a:r>
-              <a:rPr lang="ro-RO" dirty="0" smtClean="0"/>
-              <a:t>Information</a:t>
+              <a:t>Accessing Stack Trace Information</a:t>
             </a:r>
             <a:endParaRPr lang="ro-RO" dirty="0"/>
           </a:p>
@@ -5726,6 +5599,617 @@
       </p:grpSpPr>
       <p:sp>
         <p:nvSpPr>
+          <p:cNvPr id="2" name="Content Placeholder 1"/>
+          <p:cNvSpPr>
+            <a:spLocks noGrp="1"/>
+          </p:cNvSpPr>
+          <p:nvPr>
+            <p:ph idx="1"/>
+          </p:nvPr>
+        </p:nvSpPr>
+        <p:spPr/>
+        <p:txBody>
+          <a:bodyPr>
+            <a:normAutofit lnSpcReduction="10000"/>
+          </a:bodyPr>
+          <a:lstStyle/>
+          <a:p>
+            <a:pPr algn="just"/>
+            <a:r>
+              <a:rPr lang="en-US" b="1" dirty="0" smtClean="0"/>
+              <a:t>Use exceptions only for exceptional </a:t>
+            </a:r>
+            <a:r>
+              <a:rPr lang="en-US" b="1" dirty="0" smtClean="0"/>
+              <a:t>conditions</a:t>
+            </a:r>
+          </a:p>
+          <a:p>
+            <a:pPr algn="just"/>
+            <a:r>
+              <a:rPr lang="en-US" b="1" dirty="0" smtClean="0"/>
+              <a:t>Use checked exceptions for recoverable conditions </a:t>
+            </a:r>
+            <a:r>
+              <a:rPr lang="en-US" b="1" dirty="0" smtClean="0"/>
+              <a:t>and runtime </a:t>
+            </a:r>
+            <a:r>
+              <a:rPr lang="en-US" b="1" dirty="0" smtClean="0"/>
+              <a:t>exceptions for programming </a:t>
+            </a:r>
+            <a:r>
+              <a:rPr lang="en-US" b="1" dirty="0" smtClean="0"/>
+              <a:t>errors</a:t>
+            </a:r>
+          </a:p>
+          <a:p>
+            <a:pPr algn="just"/>
+            <a:r>
+              <a:rPr lang="en-US" b="1" dirty="0" smtClean="0"/>
+              <a:t>Avoid unnecessary use of checked </a:t>
+            </a:r>
+            <a:r>
+              <a:rPr lang="en-US" b="1" dirty="0" smtClean="0"/>
+              <a:t>exceptions</a:t>
+            </a:r>
+          </a:p>
+          <a:p>
+            <a:pPr algn="just"/>
+            <a:r>
+              <a:rPr lang="en-US" b="1" dirty="0" smtClean="0"/>
+              <a:t>Favor the use of standard </a:t>
+            </a:r>
+            <a:r>
+              <a:rPr lang="en-US" b="1" dirty="0" smtClean="0"/>
+              <a:t>exceptions</a:t>
+            </a:r>
+          </a:p>
+          <a:p>
+            <a:pPr algn="just"/>
+            <a:r>
+              <a:rPr lang="ro-RO" b="1" dirty="0" smtClean="0"/>
+              <a:t>Include failure-capture information in detail </a:t>
+            </a:r>
+            <a:r>
+              <a:rPr lang="ro-RO" b="1" dirty="0" smtClean="0"/>
+              <a:t>messages</a:t>
+            </a:r>
+            <a:endParaRPr lang="en-US" b="1" dirty="0" smtClean="0"/>
+          </a:p>
+          <a:p>
+            <a:pPr algn="just"/>
+            <a:r>
+              <a:rPr lang="ro-RO" b="1" dirty="0" smtClean="0"/>
+              <a:t>Strive for failure </a:t>
+            </a:r>
+            <a:r>
+              <a:rPr lang="ro-RO" b="1" dirty="0" smtClean="0"/>
+              <a:t>atomicity</a:t>
+            </a:r>
+            <a:endParaRPr lang="en-US" b="1" dirty="0" smtClean="0"/>
+          </a:p>
+          <a:p>
+            <a:pPr algn="just"/>
+            <a:r>
+              <a:rPr lang="ro-RO" b="1" dirty="0" smtClean="0"/>
+              <a:t>Don’t ignore exceptions</a:t>
+            </a:r>
+            <a:endParaRPr lang="ro-RO" dirty="0"/>
+          </a:p>
+        </p:txBody>
+      </p:sp>
+      <p:sp>
+        <p:nvSpPr>
+          <p:cNvPr id="3" name="Title 2"/>
+          <p:cNvSpPr>
+            <a:spLocks noGrp="1"/>
+          </p:cNvSpPr>
+          <p:nvPr>
+            <p:ph type="title"/>
+          </p:nvPr>
+        </p:nvSpPr>
+        <p:spPr/>
+        <p:txBody>
+          <a:bodyPr/>
+          <a:lstStyle/>
+          <a:p>
+            <a:r>
+              <a:rPr lang="en-US" dirty="0" smtClean="0"/>
+              <a:t>Best practices</a:t>
+            </a:r>
+            <a:endParaRPr lang="ro-RO" dirty="0"/>
+          </a:p>
+        </p:txBody>
+      </p:sp>
+    </p:spTree>
+  </p:cSld>
+  <p:clrMapOvr>
+    <a:masterClrMapping/>
+  </p:clrMapOvr>
+  <p:transition/>
+  <p:timing>
+    <p:tnLst>
+      <p:par>
+        <p:cTn id="1" dur="indefinite" restart="never" nodeType="tmRoot">
+          <p:childTnLst>
+            <p:seq concurrent="1" nextAc="seek">
+              <p:cTn id="2" dur="indefinite" nodeType="mainSeq">
+                <p:childTnLst>
+                  <p:par>
+                    <p:cTn id="3" fill="hold">
+                      <p:stCondLst>
+                        <p:cond delay="indefinite"/>
+                      </p:stCondLst>
+                      <p:childTnLst>
+                        <p:par>
+                          <p:cTn id="4" fill="hold">
+                            <p:stCondLst>
+                              <p:cond delay="0"/>
+                            </p:stCondLst>
+                            <p:childTnLst>
+                              <p:par>
+                                <p:cTn id="5" presetID="3" presetClass="entr" presetSubtype="10" fill="hold" grpId="0" nodeType="clickEffect">
+                                  <p:stCondLst>
+                                    <p:cond delay="0"/>
+                                  </p:stCondLst>
+                                  <p:childTnLst>
+                                    <p:set>
+                                      <p:cBhvr>
+                                        <p:cTn id="6" dur="1" fill="hold">
+                                          <p:stCondLst>
+                                            <p:cond delay="0"/>
+                                          </p:stCondLst>
+                                        </p:cTn>
+                                        <p:tgtEl>
+                                          <p:spTgt spid="2">
+                                            <p:txEl>
+                                              <p:pRg st="0" end="0"/>
+                                            </p:txEl>
+                                          </p:spTgt>
+                                        </p:tgtEl>
+                                        <p:attrNameLst>
+                                          <p:attrName>style.visibility</p:attrName>
+                                        </p:attrNameLst>
+                                      </p:cBhvr>
+                                      <p:to>
+                                        <p:strVal val="visible"/>
+                                      </p:to>
+                                    </p:set>
+                                    <p:animEffect transition="in" filter="blinds(horizontal)">
+                                      <p:cBhvr>
+                                        <p:cTn id="7" dur="500"/>
+                                        <p:tgtEl>
+                                          <p:spTgt spid="2">
+                                            <p:txEl>
+                                              <p:pRg st="0" end="0"/>
+                                            </p:txEl>
+                                          </p:spTgt>
+                                        </p:tgtEl>
+                                      </p:cBhvr>
+                                    </p:animEffect>
+                                  </p:childTnLst>
+                                </p:cTn>
+                              </p:par>
+                            </p:childTnLst>
+                          </p:cTn>
+                        </p:par>
+                      </p:childTnLst>
+                    </p:cTn>
+                  </p:par>
+                  <p:par>
+                    <p:cTn id="8" fill="hold">
+                      <p:stCondLst>
+                        <p:cond delay="indefinite"/>
+                      </p:stCondLst>
+                      <p:childTnLst>
+                        <p:par>
+                          <p:cTn id="9" fill="hold">
+                            <p:stCondLst>
+                              <p:cond delay="0"/>
+                            </p:stCondLst>
+                            <p:childTnLst>
+                              <p:par>
+                                <p:cTn id="10" presetID="3" presetClass="entr" presetSubtype="10" fill="hold" grpId="0" nodeType="clickEffect">
+                                  <p:stCondLst>
+                                    <p:cond delay="0"/>
+                                  </p:stCondLst>
+                                  <p:childTnLst>
+                                    <p:set>
+                                      <p:cBhvr>
+                                        <p:cTn id="11" dur="1" fill="hold">
+                                          <p:stCondLst>
+                                            <p:cond delay="0"/>
+                                          </p:stCondLst>
+                                        </p:cTn>
+                                        <p:tgtEl>
+                                          <p:spTgt spid="2">
+                                            <p:txEl>
+                                              <p:pRg st="1" end="1"/>
+                                            </p:txEl>
+                                          </p:spTgt>
+                                        </p:tgtEl>
+                                        <p:attrNameLst>
+                                          <p:attrName>style.visibility</p:attrName>
+                                        </p:attrNameLst>
+                                      </p:cBhvr>
+                                      <p:to>
+                                        <p:strVal val="visible"/>
+                                      </p:to>
+                                    </p:set>
+                                    <p:animEffect transition="in" filter="blinds(horizontal)">
+                                      <p:cBhvr>
+                                        <p:cTn id="12" dur="500"/>
+                                        <p:tgtEl>
+                                          <p:spTgt spid="2">
+                                            <p:txEl>
+                                              <p:pRg st="1" end="1"/>
+                                            </p:txEl>
+                                          </p:spTgt>
+                                        </p:tgtEl>
+                                      </p:cBhvr>
+                                    </p:animEffect>
+                                  </p:childTnLst>
+                                </p:cTn>
+                              </p:par>
+                            </p:childTnLst>
+                          </p:cTn>
+                        </p:par>
+                      </p:childTnLst>
+                    </p:cTn>
+                  </p:par>
+                  <p:par>
+                    <p:cTn id="13" fill="hold">
+                      <p:stCondLst>
+                        <p:cond delay="indefinite"/>
+                      </p:stCondLst>
+                      <p:childTnLst>
+                        <p:par>
+                          <p:cTn id="14" fill="hold">
+                            <p:stCondLst>
+                              <p:cond delay="0"/>
+                            </p:stCondLst>
+                            <p:childTnLst>
+                              <p:par>
+                                <p:cTn id="15" presetID="3" presetClass="entr" presetSubtype="10" fill="hold" grpId="0" nodeType="clickEffect">
+                                  <p:stCondLst>
+                                    <p:cond delay="0"/>
+                                  </p:stCondLst>
+                                  <p:childTnLst>
+                                    <p:set>
+                                      <p:cBhvr>
+                                        <p:cTn id="16" dur="1" fill="hold">
+                                          <p:stCondLst>
+                                            <p:cond delay="0"/>
+                                          </p:stCondLst>
+                                        </p:cTn>
+                                        <p:tgtEl>
+                                          <p:spTgt spid="2">
+                                            <p:txEl>
+                                              <p:pRg st="2" end="2"/>
+                                            </p:txEl>
+                                          </p:spTgt>
+                                        </p:tgtEl>
+                                        <p:attrNameLst>
+                                          <p:attrName>style.visibility</p:attrName>
+                                        </p:attrNameLst>
+                                      </p:cBhvr>
+                                      <p:to>
+                                        <p:strVal val="visible"/>
+                                      </p:to>
+                                    </p:set>
+                                    <p:animEffect transition="in" filter="blinds(horizontal)">
+                                      <p:cBhvr>
+                                        <p:cTn id="17" dur="500"/>
+                                        <p:tgtEl>
+                                          <p:spTgt spid="2">
+                                            <p:txEl>
+                                              <p:pRg st="2" end="2"/>
+                                            </p:txEl>
+                                          </p:spTgt>
+                                        </p:tgtEl>
+                                      </p:cBhvr>
+                                    </p:animEffect>
+                                  </p:childTnLst>
+                                </p:cTn>
+                              </p:par>
+                            </p:childTnLst>
+                          </p:cTn>
+                        </p:par>
+                      </p:childTnLst>
+                    </p:cTn>
+                  </p:par>
+                  <p:par>
+                    <p:cTn id="18" fill="hold">
+                      <p:stCondLst>
+                        <p:cond delay="indefinite"/>
+                      </p:stCondLst>
+                      <p:childTnLst>
+                        <p:par>
+                          <p:cTn id="19" fill="hold">
+                            <p:stCondLst>
+                              <p:cond delay="0"/>
+                            </p:stCondLst>
+                            <p:childTnLst>
+                              <p:par>
+                                <p:cTn id="20" presetID="3" presetClass="entr" presetSubtype="10" fill="hold" grpId="0" nodeType="clickEffect">
+                                  <p:stCondLst>
+                                    <p:cond delay="0"/>
+                                  </p:stCondLst>
+                                  <p:childTnLst>
+                                    <p:set>
+                                      <p:cBhvr>
+                                        <p:cTn id="21" dur="1" fill="hold">
+                                          <p:stCondLst>
+                                            <p:cond delay="0"/>
+                                          </p:stCondLst>
+                                        </p:cTn>
+                                        <p:tgtEl>
+                                          <p:spTgt spid="2">
+                                            <p:txEl>
+                                              <p:pRg st="3" end="3"/>
+                                            </p:txEl>
+                                          </p:spTgt>
+                                        </p:tgtEl>
+                                        <p:attrNameLst>
+                                          <p:attrName>style.visibility</p:attrName>
+                                        </p:attrNameLst>
+                                      </p:cBhvr>
+                                      <p:to>
+                                        <p:strVal val="visible"/>
+                                      </p:to>
+                                    </p:set>
+                                    <p:animEffect transition="in" filter="blinds(horizontal)">
+                                      <p:cBhvr>
+                                        <p:cTn id="22" dur="500"/>
+                                        <p:tgtEl>
+                                          <p:spTgt spid="2">
+                                            <p:txEl>
+                                              <p:pRg st="3" end="3"/>
+                                            </p:txEl>
+                                          </p:spTgt>
+                                        </p:tgtEl>
+                                      </p:cBhvr>
+                                    </p:animEffect>
+                                  </p:childTnLst>
+                                </p:cTn>
+                              </p:par>
+                            </p:childTnLst>
+                          </p:cTn>
+                        </p:par>
+                      </p:childTnLst>
+                    </p:cTn>
+                  </p:par>
+                  <p:par>
+                    <p:cTn id="23" fill="hold">
+                      <p:stCondLst>
+                        <p:cond delay="indefinite"/>
+                      </p:stCondLst>
+                      <p:childTnLst>
+                        <p:par>
+                          <p:cTn id="24" fill="hold">
+                            <p:stCondLst>
+                              <p:cond delay="0"/>
+                            </p:stCondLst>
+                            <p:childTnLst>
+                              <p:par>
+                                <p:cTn id="25" presetID="3" presetClass="entr" presetSubtype="10" fill="hold" grpId="0" nodeType="clickEffect">
+                                  <p:stCondLst>
+                                    <p:cond delay="0"/>
+                                  </p:stCondLst>
+                                  <p:childTnLst>
+                                    <p:set>
+                                      <p:cBhvr>
+                                        <p:cTn id="26" dur="1" fill="hold">
+                                          <p:stCondLst>
+                                            <p:cond delay="0"/>
+                                          </p:stCondLst>
+                                        </p:cTn>
+                                        <p:tgtEl>
+                                          <p:spTgt spid="2">
+                                            <p:txEl>
+                                              <p:pRg st="4" end="4"/>
+                                            </p:txEl>
+                                          </p:spTgt>
+                                        </p:tgtEl>
+                                        <p:attrNameLst>
+                                          <p:attrName>style.visibility</p:attrName>
+                                        </p:attrNameLst>
+                                      </p:cBhvr>
+                                      <p:to>
+                                        <p:strVal val="visible"/>
+                                      </p:to>
+                                    </p:set>
+                                    <p:animEffect transition="in" filter="blinds(horizontal)">
+                                      <p:cBhvr>
+                                        <p:cTn id="27" dur="500"/>
+                                        <p:tgtEl>
+                                          <p:spTgt spid="2">
+                                            <p:txEl>
+                                              <p:pRg st="4" end="4"/>
+                                            </p:txEl>
+                                          </p:spTgt>
+                                        </p:tgtEl>
+                                      </p:cBhvr>
+                                    </p:animEffect>
+                                  </p:childTnLst>
+                                </p:cTn>
+                              </p:par>
+                            </p:childTnLst>
+                          </p:cTn>
+                        </p:par>
+                      </p:childTnLst>
+                    </p:cTn>
+                  </p:par>
+                  <p:par>
+                    <p:cTn id="28" fill="hold">
+                      <p:stCondLst>
+                        <p:cond delay="indefinite"/>
+                      </p:stCondLst>
+                      <p:childTnLst>
+                        <p:par>
+                          <p:cTn id="29" fill="hold">
+                            <p:stCondLst>
+                              <p:cond delay="0"/>
+                            </p:stCondLst>
+                            <p:childTnLst>
+                              <p:par>
+                                <p:cTn id="30" presetID="3" presetClass="entr" presetSubtype="10" fill="hold" grpId="0" nodeType="clickEffect">
+                                  <p:stCondLst>
+                                    <p:cond delay="0"/>
+                                  </p:stCondLst>
+                                  <p:childTnLst>
+                                    <p:set>
+                                      <p:cBhvr>
+                                        <p:cTn id="31" dur="1" fill="hold">
+                                          <p:stCondLst>
+                                            <p:cond delay="0"/>
+                                          </p:stCondLst>
+                                        </p:cTn>
+                                        <p:tgtEl>
+                                          <p:spTgt spid="2">
+                                            <p:txEl>
+                                              <p:pRg st="5" end="5"/>
+                                            </p:txEl>
+                                          </p:spTgt>
+                                        </p:tgtEl>
+                                        <p:attrNameLst>
+                                          <p:attrName>style.visibility</p:attrName>
+                                        </p:attrNameLst>
+                                      </p:cBhvr>
+                                      <p:to>
+                                        <p:strVal val="visible"/>
+                                      </p:to>
+                                    </p:set>
+                                    <p:animEffect transition="in" filter="blinds(horizontal)">
+                                      <p:cBhvr>
+                                        <p:cTn id="32" dur="500"/>
+                                        <p:tgtEl>
+                                          <p:spTgt spid="2">
+                                            <p:txEl>
+                                              <p:pRg st="5" end="5"/>
+                                            </p:txEl>
+                                          </p:spTgt>
+                                        </p:tgtEl>
+                                      </p:cBhvr>
+                                    </p:animEffect>
+                                  </p:childTnLst>
+                                </p:cTn>
+                              </p:par>
+                            </p:childTnLst>
+                          </p:cTn>
+                        </p:par>
+                      </p:childTnLst>
+                    </p:cTn>
+                  </p:par>
+                  <p:par>
+                    <p:cTn id="33" fill="hold">
+                      <p:stCondLst>
+                        <p:cond delay="indefinite"/>
+                      </p:stCondLst>
+                      <p:childTnLst>
+                        <p:par>
+                          <p:cTn id="34" fill="hold">
+                            <p:stCondLst>
+                              <p:cond delay="0"/>
+                            </p:stCondLst>
+                            <p:childTnLst>
+                              <p:par>
+                                <p:cTn id="35" presetID="3" presetClass="entr" presetSubtype="10" fill="hold" grpId="0" nodeType="clickEffect">
+                                  <p:stCondLst>
+                                    <p:cond delay="0"/>
+                                  </p:stCondLst>
+                                  <p:childTnLst>
+                                    <p:set>
+                                      <p:cBhvr>
+                                        <p:cTn id="36" dur="1" fill="hold">
+                                          <p:stCondLst>
+                                            <p:cond delay="0"/>
+                                          </p:stCondLst>
+                                        </p:cTn>
+                                        <p:tgtEl>
+                                          <p:spTgt spid="2">
+                                            <p:txEl>
+                                              <p:pRg st="6" end="6"/>
+                                            </p:txEl>
+                                          </p:spTgt>
+                                        </p:tgtEl>
+                                        <p:attrNameLst>
+                                          <p:attrName>style.visibility</p:attrName>
+                                        </p:attrNameLst>
+                                      </p:cBhvr>
+                                      <p:to>
+                                        <p:strVal val="visible"/>
+                                      </p:to>
+                                    </p:set>
+                                    <p:animEffect transition="in" filter="blinds(horizontal)">
+                                      <p:cBhvr>
+                                        <p:cTn id="37" dur="500"/>
+                                        <p:tgtEl>
+                                          <p:spTgt spid="2">
+                                            <p:txEl>
+                                              <p:pRg st="6" end="6"/>
+                                            </p:txEl>
+                                          </p:spTgt>
+                                        </p:tgtEl>
+                                      </p:cBhvr>
+                                    </p:animEffect>
+                                  </p:childTnLst>
+                                </p:cTn>
+                              </p:par>
+                            </p:childTnLst>
+                          </p:cTn>
+                        </p:par>
+                      </p:childTnLst>
+                    </p:cTn>
+                  </p:par>
+                </p:childTnLst>
+              </p:cTn>
+              <p:prevCondLst>
+                <p:cond evt="onPrev" delay="0">
+                  <p:tgtEl>
+                    <p:sldTgt/>
+                  </p:tgtEl>
+                </p:cond>
+              </p:prevCondLst>
+              <p:nextCondLst>
+                <p:cond evt="onNext" delay="0">
+                  <p:tgtEl>
+                    <p:sldTgt/>
+                  </p:tgtEl>
+                </p:cond>
+              </p:nextCondLst>
+            </p:seq>
+          </p:childTnLst>
+        </p:cTn>
+      </p:par>
+    </p:tnLst>
+    <p:bldLst>
+      <p:bldP spid="2" grpId="0" build="p"/>
+    </p:bldLst>
+  </p:timing>
+</p:sld>
+</file>
+
+<file path=ppt/slides/slide15.xml><?xml version="1.0" encoding="utf-8"?>
+<p:sld xmlns:a="http://schemas.openxmlformats.org/drawingml/2006/main" xmlns:r="http://schemas.openxmlformats.org/officeDocument/2006/relationships" xmlns:p="http://schemas.openxmlformats.org/presentationml/2006/main">
+  <p:cSld>
+    <p:spTree>
+      <p:nvGrpSpPr>
+        <p:cNvPr id="1" name=""/>
+        <p:cNvGrpSpPr/>
+        <p:nvPr/>
+      </p:nvGrpSpPr>
+      <p:grpSpPr>
+        <a:xfrm>
+          <a:off x="0" y="0"/>
+          <a:ext cx="0" cy="0"/>
+          <a:chOff x="0" y="0"/>
+          <a:chExt cx="0" cy="0"/>
+        </a:xfrm>
+      </p:grpSpPr>
+      <p:sp>
+        <p:nvSpPr>
           <p:cNvPr id="3" name="Title 2"/>
           <p:cNvSpPr>
             <a:spLocks noGrp="1"/>
@@ -5910,11 +6394,7 @@
           <a:p>
             <a:r>
               <a:rPr lang="ro-RO" dirty="0" smtClean="0"/>
-              <a:t>Handling </a:t>
-            </a:r>
-            <a:r>
-              <a:rPr lang="ro-RO" dirty="0" smtClean="0"/>
-              <a:t>Exceptions</a:t>
+              <a:t>Handling Exceptions</a:t>
             </a:r>
             <a:endParaRPr lang="ro-RO" dirty="0"/>
           </a:p>
@@ -5987,7 +6467,6 @@
               <a:rPr lang="en-US" dirty="0" smtClean="0"/>
               <a:t> is an event, which occurs during the execution of a program, that disrupts the normal flow of the program's instructions. </a:t>
             </a:r>
-            <a:endParaRPr lang="en-US" dirty="0" smtClean="0"/>
           </a:p>
           <a:p>
             <a:pPr algn="just"/>
@@ -6034,11 +6513,7 @@
           <a:p>
             <a:r>
               <a:rPr lang="ro-RO" dirty="0" smtClean="0"/>
-              <a:t>What Is an Exception</a:t>
-            </a:r>
-            <a:r>
-              <a:rPr lang="ro-RO" dirty="0" smtClean="0"/>
-              <a:t>?</a:t>
+              <a:t>What Is an Exception?</a:t>
             </a:r>
             <a:endParaRPr lang="ro-RO" dirty="0"/>
           </a:p>
@@ -6263,7 +6738,6 @@
               <a:rPr lang="en-US" dirty="0" smtClean="0"/>
               <a:t> .</a:t>
             </a:r>
-            <a:endParaRPr lang="en-US" dirty="0" smtClean="0"/>
           </a:p>
           <a:p>
             <a:pPr algn="just"/>
@@ -6302,11 +6776,7 @@
           <a:p>
             <a:r>
               <a:rPr lang="ro-RO" dirty="0" smtClean="0"/>
-              <a:t>What Is an Exception</a:t>
-            </a:r>
-            <a:r>
-              <a:rPr lang="ro-RO" dirty="0" smtClean="0"/>
-              <a:t>?</a:t>
+              <a:t>What Is an Exception?</a:t>
             </a:r>
             <a:endParaRPr lang="ro-RO" dirty="0"/>
           </a:p>
@@ -6540,11 +7010,7 @@
             </a:r>
             <a:r>
               <a:rPr lang="ro-RO" sz="4000" dirty="0" smtClean="0"/>
-              <a:t>untime </a:t>
-            </a:r>
-            <a:r>
-              <a:rPr lang="ro-RO" sz="4000" dirty="0" smtClean="0"/>
-              <a:t>exception</a:t>
+              <a:t>untime exception</a:t>
             </a:r>
             <a:endParaRPr lang="ro-RO" sz="4000" dirty="0"/>
           </a:p>
@@ -6569,11 +7035,7 @@
           <a:p>
             <a:r>
               <a:rPr lang="en-US" dirty="0" smtClean="0"/>
-              <a:t>The Three Kinds of </a:t>
-            </a:r>
-            <a:r>
-              <a:rPr lang="en-US" dirty="0" smtClean="0"/>
-              <a:t>Exceptions</a:t>
+              <a:t>The Three Kinds of Exceptions</a:t>
             </a:r>
             <a:endParaRPr lang="ro-RO" dirty="0"/>
           </a:p>
@@ -6949,114 +7411,72 @@
             </a:pPr>
             <a:r>
               <a:rPr lang="en-US" dirty="0" smtClean="0"/>
-              <a:t>catch </a:t>
+              <a:t>catch (</a:t>
+            </a:r>
+            <a:r>
+              <a:rPr lang="en-US" i="1" dirty="0" smtClean="0"/>
+              <a:t>ExceptionType1 name</a:t>
             </a:r>
             <a:r>
               <a:rPr lang="en-US" dirty="0" smtClean="0"/>
-              <a:t>(</a:t>
+              <a:t>) { … } </a:t>
+            </a:r>
+          </a:p>
+          <a:p>
+            <a:pPr>
+              <a:buNone/>
+            </a:pPr>
+            <a:r>
+              <a:rPr lang="en-US" dirty="0" smtClean="0"/>
+              <a:t>catch (</a:t>
+            </a:r>
+            <a:r>
+              <a:rPr lang="en-US" i="1" dirty="0" smtClean="0"/>
+              <a:t>ExceptionType2 name</a:t>
+            </a:r>
+            <a:r>
+              <a:rPr lang="en-US" dirty="0" smtClean="0"/>
+              <a:t>) { … }</a:t>
+            </a:r>
+          </a:p>
+          <a:p>
+            <a:pPr>
+              <a:buNone/>
+            </a:pPr>
+            <a:endParaRPr lang="en-US" dirty="0" smtClean="0"/>
+          </a:p>
+          <a:p>
+            <a:pPr>
+              <a:buNone/>
+            </a:pPr>
+            <a:r>
+              <a:rPr lang="en-US" dirty="0" smtClean="0"/>
+              <a:t>2.</a:t>
+            </a:r>
+          </a:p>
+          <a:p>
+            <a:pPr>
+              <a:buNone/>
+            </a:pPr>
+            <a:r>
+              <a:rPr lang="ro-RO" dirty="0" smtClean="0"/>
+              <a:t>catch (</a:t>
             </a:r>
             <a:r>
               <a:rPr lang="en-US" i="1" dirty="0" smtClean="0"/>
               <a:t>ExceptionType1 </a:t>
             </a:r>
             <a:r>
-              <a:rPr lang="en-US" i="1" dirty="0" smtClean="0"/>
-              <a:t>name</a:t>
-            </a:r>
-            <a:r>
-              <a:rPr lang="en-US" dirty="0" smtClean="0"/>
-              <a:t>) </a:t>
-            </a:r>
-            <a:r>
-              <a:rPr lang="en-US" dirty="0" smtClean="0"/>
-              <a:t>{ … </a:t>
-            </a:r>
-            <a:r>
-              <a:rPr lang="en-US" dirty="0" smtClean="0"/>
-              <a:t>} </a:t>
-            </a:r>
-            <a:endParaRPr lang="en-US" dirty="0" smtClean="0"/>
-          </a:p>
-          <a:p>
-            <a:pPr>
-              <a:buNone/>
-            </a:pPr>
-            <a:r>
-              <a:rPr lang="en-US" dirty="0" smtClean="0"/>
-              <a:t>catch </a:t>
-            </a:r>
-            <a:r>
-              <a:rPr lang="en-US" dirty="0" smtClean="0"/>
-              <a:t>(</a:t>
-            </a:r>
-            <a:r>
-              <a:rPr lang="en-US" i="1" dirty="0" smtClean="0"/>
-              <a:t>ExceptionType2 name</a:t>
-            </a:r>
-            <a:r>
-              <a:rPr lang="en-US" dirty="0" smtClean="0"/>
-              <a:t>) </a:t>
-            </a:r>
-            <a:r>
-              <a:rPr lang="en-US" dirty="0" smtClean="0"/>
-              <a:t>{ … }</a:t>
-            </a:r>
-          </a:p>
-          <a:p>
-            <a:pPr>
-              <a:buNone/>
-            </a:pPr>
-            <a:endParaRPr lang="en-US" dirty="0" smtClean="0"/>
-          </a:p>
-          <a:p>
-            <a:pPr>
-              <a:buNone/>
-            </a:pPr>
-            <a:r>
-              <a:rPr lang="en-US" dirty="0" smtClean="0"/>
-              <a:t>2.</a:t>
-            </a:r>
-            <a:endParaRPr lang="en-US" dirty="0" smtClean="0"/>
-          </a:p>
-          <a:p>
-            <a:pPr>
-              <a:buNone/>
-            </a:pPr>
-            <a:r>
-              <a:rPr lang="ro-RO" dirty="0" smtClean="0"/>
-              <a:t>catch </a:t>
-            </a:r>
-            <a:r>
-              <a:rPr lang="ro-RO" dirty="0" smtClean="0"/>
-              <a:t>(</a:t>
-            </a:r>
-            <a:r>
-              <a:rPr lang="en-US" i="1" dirty="0" smtClean="0"/>
-              <a:t>ExceptionType1 </a:t>
-            </a:r>
-            <a:r>
               <a:rPr lang="ro-RO" dirty="0" smtClean="0"/>
               <a:t>|</a:t>
             </a:r>
             <a:r>
               <a:rPr lang="en-US" i="1" dirty="0" smtClean="0"/>
-              <a:t> </a:t>
-            </a:r>
-            <a:r>
-              <a:rPr lang="en-US" i="1" dirty="0" smtClean="0"/>
-              <a:t>ExceptionType2</a:t>
+              <a:t> ExceptionType2</a:t>
             </a:r>
             <a:r>
               <a:rPr lang="ro-RO" dirty="0" smtClean="0"/>
-              <a:t> </a:t>
-            </a:r>
-            <a:r>
-              <a:rPr lang="ro-RO" dirty="0" smtClean="0"/>
-              <a:t>ex</a:t>
-            </a:r>
-            <a:r>
-              <a:rPr lang="ro-RO" dirty="0" smtClean="0"/>
-              <a:t>) {</a:t>
+              <a:t> ex) {</a:t>
             </a:r>
             <a:r>
               <a:rPr lang="en-US" dirty="0" smtClean="0"/>
@@ -7094,11 +7514,7 @@
           <a:p>
             <a:r>
               <a:rPr lang="ro-RO" dirty="0" smtClean="0"/>
-              <a:t>The catch </a:t>
-            </a:r>
-            <a:r>
-              <a:rPr lang="ro-RO" dirty="0" smtClean="0"/>
-              <a:t>Blocks</a:t>
+              <a:t>The catch Blocks</a:t>
             </a:r>
             <a:endParaRPr lang="ro-RO" dirty="0"/>
           </a:p>
@@ -7159,11 +7575,7 @@
             </a:pPr>
             <a:r>
               <a:rPr lang="ro-RO" dirty="0" smtClean="0"/>
-              <a:t>finally </a:t>
-            </a:r>
-            <a:r>
-              <a:rPr lang="ro-RO" dirty="0" smtClean="0"/>
-              <a:t>{ </a:t>
+              <a:t>finally { </a:t>
             </a:r>
             <a:endParaRPr lang="en-US" dirty="0" smtClean="0"/>
           </a:p>
@@ -7177,89 +7589,57 @@
             </a:r>
             <a:r>
               <a:rPr lang="ro-RO" dirty="0" smtClean="0"/>
-              <a:t>if </a:t>
+              <a:t>if (out != null) { </a:t>
+            </a:r>
+            <a:endParaRPr lang="en-US" dirty="0" smtClean="0"/>
+          </a:p>
+          <a:p>
+            <a:pPr>
+              <a:buNone/>
+            </a:pPr>
+            <a:r>
+              <a:rPr lang="en-US" dirty="0" smtClean="0"/>
+              <a:t>		</a:t>
             </a:r>
             <a:r>
               <a:rPr lang="ro-RO" dirty="0" smtClean="0"/>
-              <a:t>(out != null) { </a:t>
-            </a:r>
-            <a:endParaRPr lang="en-US" dirty="0" smtClean="0"/>
-          </a:p>
-          <a:p>
-            <a:pPr>
-              <a:buNone/>
-            </a:pPr>
+              <a:t>System.out.println("Closing PrintWriter"); </a:t>
+            </a:r>
             <a:r>
               <a:rPr lang="en-US" dirty="0" smtClean="0"/>
               <a:t>	</a:t>
             </a:r>
             <a:r>
+              <a:rPr lang="ro-RO" dirty="0" smtClean="0"/>
+              <a:t>out.close(); </a:t>
+            </a:r>
+            <a:endParaRPr lang="en-US" dirty="0" smtClean="0"/>
+          </a:p>
+          <a:p>
+            <a:pPr>
+              <a:buNone/>
+            </a:pPr>
+            <a:r>
               <a:rPr lang="en-US" dirty="0" smtClean="0"/>
               <a:t>	</a:t>
             </a:r>
             <a:r>
               <a:rPr lang="ro-RO" dirty="0" smtClean="0"/>
-              <a:t>System.out.println</a:t>
+              <a:t>} else { </a:t>
+            </a:r>
+            <a:endParaRPr lang="en-US" dirty="0" smtClean="0"/>
+          </a:p>
+          <a:p>
+            <a:pPr>
+              <a:buNone/>
+            </a:pPr>
+            <a:r>
+              <a:rPr lang="en-US" dirty="0" smtClean="0"/>
+              <a:t>		</a:t>
             </a:r>
             <a:r>
               <a:rPr lang="ro-RO" dirty="0" smtClean="0"/>
-              <a:t>("Closing PrintWriter"); </a:t>
-            </a:r>
-            <a:r>
-              <a:rPr lang="en-US" dirty="0" smtClean="0"/>
-              <a:t>	</a:t>
-            </a:r>
-            <a:r>
-              <a:rPr lang="ro-RO" dirty="0" smtClean="0"/>
-              <a:t>out.close</a:t>
-            </a:r>
-            <a:r>
-              <a:rPr lang="ro-RO" dirty="0" smtClean="0"/>
-              <a:t>(); </a:t>
-            </a:r>
-            <a:endParaRPr lang="en-US" dirty="0" smtClean="0"/>
-          </a:p>
-          <a:p>
-            <a:pPr>
-              <a:buNone/>
-            </a:pPr>
-            <a:r>
-              <a:rPr lang="en-US" dirty="0" smtClean="0"/>
-              <a:t>	</a:t>
-            </a:r>
-            <a:r>
-              <a:rPr lang="ro-RO" dirty="0" smtClean="0"/>
-              <a:t>} </a:t>
-            </a:r>
-            <a:r>
-              <a:rPr lang="ro-RO" dirty="0" smtClean="0"/>
-              <a:t>else { </a:t>
-            </a:r>
-            <a:endParaRPr lang="en-US" dirty="0" smtClean="0"/>
-          </a:p>
-          <a:p>
-            <a:pPr>
-              <a:buNone/>
-            </a:pPr>
-            <a:r>
-              <a:rPr lang="en-US" dirty="0" smtClean="0"/>
-              <a:t>	</a:t>
-            </a:r>
-            <a:r>
-              <a:rPr lang="en-US" dirty="0" smtClean="0"/>
-              <a:t>	</a:t>
-            </a:r>
-            <a:r>
-              <a:rPr lang="ro-RO" dirty="0" smtClean="0"/>
-              <a:t>System.out.println</a:t>
-            </a:r>
-            <a:r>
-              <a:rPr lang="ro-RO" dirty="0" smtClean="0"/>
-              <a:t>("PrintWriter not open"); </a:t>
-            </a:r>
-            <a:r>
-              <a:rPr lang="ro-RO" dirty="0" smtClean="0"/>
-              <a:t>} </a:t>
+              <a:t>System.out.println("PrintWriter not open"); } </a:t>
             </a:r>
             <a:endParaRPr lang="en-US" dirty="0" smtClean="0"/>
           </a:p>
@@ -7318,11 +7698,7 @@
           <a:p>
             <a:r>
               <a:rPr lang="ro-RO" dirty="0" smtClean="0"/>
-              <a:t>The finally </a:t>
-            </a:r>
-            <a:r>
-              <a:rPr lang="ro-RO" dirty="0" smtClean="0"/>
-              <a:t>Block</a:t>
+              <a:t>The finally Block</a:t>
             </a:r>
             <a:endParaRPr lang="ro-RO" dirty="0"/>
           </a:p>
@@ -7528,19 +7904,14 @@
               <a:rPr lang="en-US" dirty="0" smtClean="0"/>
               <a:t>The try-with-resources statement is a try statement that declares one or more resources. </a:t>
             </a:r>
+          </a:p>
+          <a:p>
             <a:endParaRPr lang="en-US" dirty="0" smtClean="0"/>
           </a:p>
           <a:p>
-            <a:endParaRPr lang="en-US" dirty="0" smtClean="0"/>
-          </a:p>
-          <a:p>
             <a:r>
               <a:rPr lang="en-US" dirty="0" smtClean="0"/>
-              <a:t>Java SE 7 and </a:t>
-            </a:r>
-            <a:r>
-              <a:rPr lang="en-US" dirty="0" smtClean="0"/>
-              <a:t>later </a:t>
+              <a:t>Java SE 7 and later </a:t>
             </a:r>
           </a:p>
           <a:p>
@@ -7578,11 +7949,7 @@
           <a:p>
             <a:r>
               <a:rPr lang="ro-RO" dirty="0" smtClean="0"/>
-              <a:t>The try-with-resources </a:t>
-            </a:r>
-            <a:r>
-              <a:rPr lang="ro-RO" dirty="0" smtClean="0"/>
-              <a:t>Statement</a:t>
+              <a:t>The try-with-resources Statement</a:t>
             </a:r>
             <a:endParaRPr lang="ro-RO" dirty="0"/>
           </a:p>

--- a/workshops/3.Exceptions.pptx
+++ b/workshops/3.Exceptions.pptx
@@ -747,7 +747,7 @@
             <a:fld id="{1D8BD707-D9CF-40AE-B4C6-C98DA3205C09}" type="datetimeFigureOut">
               <a:rPr lang="en-US" smtClean="0"/>
               <a:pPr/>
-              <a:t>10/26/2014</a:t>
+              <a:t>10/27/2014</a:t>
             </a:fld>
             <a:endParaRPr lang="en-US"/>
           </a:p>
@@ -946,7 +946,7 @@
             <a:fld id="{1D8BD707-D9CF-40AE-B4C6-C98DA3205C09}" type="datetimeFigureOut">
               <a:rPr lang="en-US" smtClean="0"/>
               <a:pPr/>
-              <a:t>10/26/2014</a:t>
+              <a:t>10/27/2014</a:t>
             </a:fld>
             <a:endParaRPr lang="en-US"/>
           </a:p>
@@ -1134,7 +1134,7 @@
             <a:fld id="{1D8BD707-D9CF-40AE-B4C6-C98DA3205C09}" type="datetimeFigureOut">
               <a:rPr lang="en-US" smtClean="0"/>
               <a:pPr/>
-              <a:t>10/26/2014</a:t>
+              <a:t>10/27/2014</a:t>
             </a:fld>
             <a:endParaRPr lang="en-US"/>
           </a:p>
@@ -1287,7 +1287,7 @@
             <a:fld id="{1D8BD707-D9CF-40AE-B4C6-C98DA3205C09}" type="datetimeFigureOut">
               <a:rPr lang="en-US" smtClean="0"/>
               <a:pPr/>
-              <a:t>10/26/2014</a:t>
+              <a:t>10/27/2014</a:t>
             </a:fld>
             <a:endParaRPr lang="en-US"/>
           </a:p>
@@ -1545,7 +1545,7 @@
             <a:fld id="{1D8BD707-D9CF-40AE-B4C6-C98DA3205C09}" type="datetimeFigureOut">
               <a:rPr lang="en-US" smtClean="0"/>
               <a:pPr/>
-              <a:t>10/26/2014</a:t>
+              <a:t>10/27/2014</a:t>
             </a:fld>
             <a:endParaRPr lang="en-US"/>
           </a:p>
@@ -1957,7 +1957,7 @@
             <a:fld id="{1D8BD707-D9CF-40AE-B4C6-C98DA3205C09}" type="datetimeFigureOut">
               <a:rPr lang="en-US" smtClean="0"/>
               <a:pPr/>
-              <a:t>10/26/2014</a:t>
+              <a:t>10/27/2014</a:t>
             </a:fld>
             <a:endParaRPr lang="en-US"/>
           </a:p>
@@ -2406,7 +2406,7 @@
             <a:fld id="{1D8BD707-D9CF-40AE-B4C6-C98DA3205C09}" type="datetimeFigureOut">
               <a:rPr lang="en-US" smtClean="0"/>
               <a:pPr/>
-              <a:t>10/26/2014</a:t>
+              <a:t>10/27/2014</a:t>
             </a:fld>
             <a:endParaRPr lang="en-US"/>
           </a:p>
@@ -2510,7 +2510,7 @@
             <a:fld id="{1D8BD707-D9CF-40AE-B4C6-C98DA3205C09}" type="datetimeFigureOut">
               <a:rPr lang="en-US" smtClean="0"/>
               <a:pPr/>
-              <a:t>10/26/2014</a:t>
+              <a:t>10/27/2014</a:t>
             </a:fld>
             <a:endParaRPr lang="en-US"/>
           </a:p>
@@ -2634,7 +2634,7 @@
             <a:fld id="{1D8BD707-D9CF-40AE-B4C6-C98DA3205C09}" type="datetimeFigureOut">
               <a:rPr lang="en-US" smtClean="0"/>
               <a:pPr/>
-              <a:t>10/26/2014</a:t>
+              <a:t>10/27/2014</a:t>
             </a:fld>
             <a:endParaRPr lang="en-US"/>
           </a:p>
@@ -2911,7 +2911,7 @@
             <a:fld id="{1D8BD707-D9CF-40AE-B4C6-C98DA3205C09}" type="datetimeFigureOut">
               <a:rPr lang="en-US" smtClean="0"/>
               <a:pPr/>
-              <a:t>10/26/2014</a:t>
+              <a:t>10/27/2014</a:t>
             </a:fld>
             <a:endParaRPr lang="en-US"/>
           </a:p>
@@ -3119,7 +3119,7 @@
             <a:fld id="{1D8BD707-D9CF-40AE-B4C6-C98DA3205C09}" type="datetimeFigureOut">
               <a:rPr lang="en-US" smtClean="0"/>
               <a:pPr/>
-              <a:t>10/26/2014</a:t>
+              <a:t>10/27/2014</a:t>
             </a:fld>
             <a:endParaRPr lang="en-US"/>
           </a:p>
@@ -4231,7 +4231,7 @@
             <a:fld id="{1D8BD707-D9CF-40AE-B4C6-C98DA3205C09}" type="datetimeFigureOut">
               <a:rPr lang="en-US" smtClean="0"/>
               <a:pPr/>
-              <a:t>10/26/2014</a:t>
+              <a:t>10/27/2014</a:t>
             </a:fld>
             <a:endParaRPr lang="en-US"/>
           </a:p>
@@ -5616,83 +5616,51 @@
           <a:p>
             <a:pPr algn="just"/>
             <a:r>
-              <a:rPr lang="en-US" b="1" dirty="0" smtClean="0"/>
-              <a:t>Use exceptions only for exceptional </a:t>
-            </a:r>
-            <a:r>
-              <a:rPr lang="en-US" b="1" dirty="0" smtClean="0"/>
-              <a:t>conditions</a:t>
+              <a:rPr lang="en-US" dirty="0" smtClean="0"/>
+              <a:t>Use exceptions only for exceptional conditions</a:t>
             </a:r>
           </a:p>
           <a:p>
             <a:pPr algn="just"/>
             <a:r>
-              <a:rPr lang="en-US" b="1" dirty="0" smtClean="0"/>
-              <a:t>Use checked exceptions for recoverable conditions </a:t>
-            </a:r>
-            <a:r>
-              <a:rPr lang="en-US" b="1" dirty="0" smtClean="0"/>
-              <a:t>and runtime </a:t>
-            </a:r>
-            <a:r>
-              <a:rPr lang="en-US" b="1" dirty="0" smtClean="0"/>
-              <a:t>exceptions for programming </a:t>
-            </a:r>
-            <a:r>
-              <a:rPr lang="en-US" b="1" dirty="0" smtClean="0"/>
-              <a:t>errors</a:t>
+              <a:rPr lang="en-US" dirty="0" smtClean="0"/>
+              <a:t>Use checked exceptions for recoverable conditions and runtime exceptions for programming errors</a:t>
             </a:r>
           </a:p>
           <a:p>
             <a:pPr algn="just"/>
             <a:r>
-              <a:rPr lang="en-US" b="1" dirty="0" smtClean="0"/>
-              <a:t>Avoid unnecessary use of checked </a:t>
-            </a:r>
-            <a:r>
-              <a:rPr lang="en-US" b="1" dirty="0" smtClean="0"/>
-              <a:t>exceptions</a:t>
+              <a:rPr lang="en-US" dirty="0" smtClean="0"/>
+              <a:t>Avoid unnecessary use of checked exceptions</a:t>
             </a:r>
           </a:p>
           <a:p>
             <a:pPr algn="just"/>
             <a:r>
-              <a:rPr lang="en-US" b="1" dirty="0" smtClean="0"/>
-              <a:t>Favor the use of standard </a:t>
-            </a:r>
-            <a:r>
-              <a:rPr lang="en-US" b="1" dirty="0" smtClean="0"/>
-              <a:t>exceptions</a:t>
+              <a:rPr lang="en-US" dirty="0" smtClean="0"/>
+              <a:t>Favor the use of standard exceptions</a:t>
             </a:r>
           </a:p>
           <a:p>
             <a:pPr algn="just"/>
             <a:r>
-              <a:rPr lang="ro-RO" b="1" dirty="0" smtClean="0"/>
-              <a:t>Include failure-capture information in detail </a:t>
-            </a:r>
-            <a:r>
-              <a:rPr lang="ro-RO" b="1" dirty="0" smtClean="0"/>
-              <a:t>messages</a:t>
-            </a:r>
-            <a:endParaRPr lang="en-US" b="1" dirty="0" smtClean="0"/>
+              <a:rPr lang="ro-RO" dirty="0" smtClean="0"/>
+              <a:t>Include failure-capture information in detail messages</a:t>
+            </a:r>
+            <a:endParaRPr lang="en-US" dirty="0" smtClean="0"/>
           </a:p>
           <a:p>
             <a:pPr algn="just"/>
             <a:r>
-              <a:rPr lang="ro-RO" b="1" dirty="0" smtClean="0"/>
-              <a:t>Strive for failure </a:t>
-            </a:r>
-            <a:r>
-              <a:rPr lang="ro-RO" b="1" dirty="0" smtClean="0"/>
-              <a:t>atomicity</a:t>
-            </a:r>
-            <a:endParaRPr lang="en-US" b="1" dirty="0" smtClean="0"/>
+              <a:rPr lang="ro-RO" dirty="0" smtClean="0"/>
+              <a:t>Strive for failure atomicity</a:t>
+            </a:r>
+            <a:endParaRPr lang="en-US" dirty="0" smtClean="0"/>
           </a:p>
           <a:p>
             <a:pPr algn="just"/>
             <a:r>
-              <a:rPr lang="ro-RO" b="1" dirty="0" smtClean="0"/>
+              <a:rPr lang="ro-RO" dirty="0" smtClean="0"/>
               <a:t>Don’t ignore exceptions</a:t>
             </a:r>
             <a:endParaRPr lang="ro-RO" dirty="0"/>
